--- a/Powerpoint_Praesentation/Powerpoint-Präsentation/päsi_burak.pptx
+++ b/Powerpoint_Praesentation/Powerpoint-Präsentation/päsi_burak.pptx
@@ -146,7 +146,7 @@
   </p:defaultTextStyle>
   <p:extLst>
     <p:ext uri="{EFAFB233-063F-42B5-8137-9DF3F51BA10A}">
-      <p15:sldGuideLst xmlns:p15="http://schemas.microsoft.com/office/powerpoint/2012/main" xmlns="">
+      <p15:sldGuideLst xmlns:p15="http://schemas.microsoft.com/office/powerpoint/2012/main">
         <p15:guide id="1" orient="horz" pos="4133">
           <p15:clr>
             <a:srgbClr val="A4A3A4"/>
@@ -1141,54 +1141,49 @@
           <a:lstStyle/>
           <a:p>
             <a:r>
-              <a:rPr lang="de-DE" dirty="0" err="1" smtClean="0"/>
+              <a:rPr lang="de-DE" dirty="0" err="1"/>
               <a:t>Azure</a:t>
             </a:r>
             <a:r>
-              <a:rPr lang="de-DE" baseline="0" dirty="0" smtClean="0"/>
+              <a:rPr lang="de-DE" baseline="0" dirty="0"/>
               <a:t> cli = </a:t>
             </a:r>
             <a:r>
-              <a:rPr lang="de-DE" baseline="0" dirty="0" err="1" smtClean="0"/>
+              <a:rPr lang="de-DE" baseline="0" dirty="0" err="1"/>
               <a:t>cmd</a:t>
             </a:r>
             <a:r>
-              <a:rPr lang="de-DE" baseline="0" dirty="0" smtClean="0"/>
+              <a:rPr lang="de-DE" baseline="0" dirty="0"/>
               <a:t> </a:t>
             </a:r>
             <a:r>
-              <a:rPr lang="de-DE" baseline="0" dirty="0" err="1" smtClean="0"/>
+              <a:rPr lang="de-DE" baseline="0" dirty="0" err="1"/>
               <a:t>addon</a:t>
             </a:r>
             <a:r>
-              <a:rPr lang="de-DE" baseline="0" dirty="0" smtClean="0"/>
+              <a:rPr lang="de-DE" baseline="0" dirty="0"/>
+              <a:t> von </a:t>
+            </a:r>
+            <a:r>
+              <a:rPr lang="de-DE" baseline="0" dirty="0" err="1"/>
+              <a:t>azure</a:t>
+            </a:r>
+            <a:r>
+              <a:rPr lang="de-DE" baseline="0" dirty="0"/>
               <a:t> </a:t>
             </a:r>
-            <a:r>
-              <a:rPr lang="de-DE" baseline="0" dirty="0" smtClean="0"/>
-              <a:t>von </a:t>
-            </a:r>
-            <a:r>
-              <a:rPr lang="de-DE" baseline="0" dirty="0" err="1" smtClean="0"/>
-              <a:t>azure</a:t>
-            </a:r>
-            <a:r>
-              <a:rPr lang="de-DE" baseline="0" dirty="0" smtClean="0"/>
-              <a:t> </a:t>
-            </a:r>
-            <a:endParaRPr lang="de-DE" baseline="0" dirty="0" smtClean="0"/>
-          </a:p>
-          <a:p>
-            <a:r>
-              <a:rPr lang="de-DE" baseline="0" dirty="0" smtClean="0"/>
+          </a:p>
+          <a:p>
+            <a:r>
+              <a:rPr lang="de-DE" baseline="0" dirty="0"/>
               <a:t>Geräte können über die </a:t>
             </a:r>
             <a:r>
-              <a:rPr lang="de-DE" baseline="0" dirty="0" err="1" smtClean="0"/>
+              <a:rPr lang="de-DE" baseline="0" dirty="0" err="1"/>
               <a:t>cloud</a:t>
             </a:r>
             <a:r>
-              <a:rPr lang="de-DE" baseline="0" dirty="0" smtClean="0"/>
+              <a:rPr lang="de-DE" baseline="0" dirty="0"/>
               <a:t> miteinander kommunizieren</a:t>
             </a:r>
           </a:p>
@@ -3100,13 +3095,6 @@
     <a:masterClrMapping/>
   </p:clrMapOvr>
   <p:transition/>
-  <p:timing>
-    <p:tnLst>
-      <p:par>
-        <p:cTn id="1" dur="indefinite" restart="never" nodeType="tmRoot"/>
-      </p:par>
-    </p:tnLst>
-  </p:timing>
 </p:sld>
 </file>
 
@@ -3195,22 +3183,21 @@
           <a:lstStyle/>
           <a:p>
             <a:r>
-              <a:rPr lang="de-DE" altLang="de-DE" dirty="0" err="1" smtClean="0"/>
+              <a:rPr lang="de-DE" altLang="de-DE" dirty="0" err="1"/>
               <a:t>Azure</a:t>
             </a:r>
             <a:r>
-              <a:rPr lang="de-DE" altLang="de-DE" dirty="0" smtClean="0"/>
+              <a:rPr lang="de-DE" altLang="de-DE" dirty="0"/>
               <a:t> </a:t>
             </a:r>
             <a:r>
-              <a:rPr lang="de-DE" altLang="de-DE" dirty="0" err="1" smtClean="0"/>
+              <a:rPr lang="de-DE" altLang="de-DE" dirty="0" err="1"/>
               <a:t>Iot</a:t>
             </a:r>
             <a:r>
-              <a:rPr lang="de-DE" altLang="de-DE" dirty="0" smtClean="0"/>
+              <a:rPr lang="de-DE" altLang="de-DE" dirty="0"/>
               <a:t> Hub</a:t>
             </a:r>
-            <a:endParaRPr lang="de-DE" altLang="de-DE" dirty="0"/>
           </a:p>
         </p:txBody>
       </p:sp>
@@ -3412,12 +3399,8 @@
               <a:buChar char="•"/>
             </a:pPr>
             <a:r>
-              <a:rPr lang="de-DE" altLang="de-DE" kern="0" dirty="0" smtClean="0"/>
-              <a:t>Publisher </a:t>
-            </a:r>
-            <a:r>
-              <a:rPr lang="de-DE" altLang="de-DE" kern="0" dirty="0" smtClean="0"/>
-              <a:t>Subscriber Prinzip</a:t>
+              <a:rPr lang="de-DE" altLang="de-DE" kern="0" dirty="0"/>
+              <a:t>Publisher Subscriber Prinzip</a:t>
             </a:r>
           </a:p>
           <a:p>
@@ -3426,12 +3409,8 @@
               <a:buChar char="•"/>
             </a:pPr>
             <a:r>
-              <a:rPr lang="de-DE" altLang="de-DE" kern="0" dirty="0" smtClean="0"/>
-              <a:t>Jedes Gerät muss </a:t>
-            </a:r>
-            <a:r>
-              <a:rPr lang="de-DE" altLang="de-DE" kern="0" dirty="0" smtClean="0"/>
-              <a:t>registriert werden </a:t>
+              <a:rPr lang="de-DE" altLang="de-DE" kern="0" dirty="0"/>
+              <a:t>Jedes Gerät muss registriert werden </a:t>
             </a:r>
           </a:p>
           <a:p>
@@ -3440,11 +3419,11 @@
               <a:buChar char="•"/>
             </a:pPr>
             <a:r>
-              <a:rPr lang="de-DE" altLang="de-DE" kern="0" dirty="0" err="1" smtClean="0"/>
+              <a:rPr lang="de-DE" altLang="de-DE" kern="0" dirty="0" err="1"/>
               <a:t>ConnectionString</a:t>
             </a:r>
             <a:r>
-              <a:rPr lang="de-DE" altLang="de-DE" kern="0" dirty="0" smtClean="0"/>
+              <a:rPr lang="de-DE" altLang="de-DE" kern="0" dirty="0"/>
               <a:t>:</a:t>
             </a:r>
           </a:p>
@@ -3453,34 +3432,29 @@
               <a:buNone/>
             </a:pPr>
             <a:r>
-              <a:rPr lang="de-DE" altLang="de-DE" kern="0" dirty="0" err="1" smtClean="0"/>
+              <a:rPr lang="de-DE" altLang="de-DE" kern="0" dirty="0" err="1"/>
               <a:t>HostName</a:t>
-            </a:r>
-            <a:r>
-              <a:rPr lang="de-DE" altLang="de-DE" kern="0" dirty="0" smtClean="0"/>
-              <a:t>=</a:t>
-            </a:r>
-            <a:r>
-              <a:rPr lang="de-DE" altLang="de-DE" kern="0" dirty="0" err="1" smtClean="0"/>
-              <a:t>derFruchtigeHubber.azure-devices.net;DeviceId</a:t>
-            </a:r>
-            <a:r>
-              <a:rPr lang="de-DE" altLang="de-DE" kern="0" dirty="0" smtClean="0"/>
-              <a:t>=</a:t>
-            </a:r>
-            <a:r>
-              <a:rPr lang="de-DE" altLang="de-DE" kern="0" dirty="0" err="1" smtClean="0"/>
-              <a:t>derHubberPy;SharedAccessKey</a:t>
-            </a:r>
-            <a:r>
-              <a:rPr lang="de-DE" altLang="de-DE" kern="0" dirty="0" smtClean="0"/>
-              <a:t>=bgwC9u5fzCoipjeKfznjyKw0WvZ77CYtbt1rzIeB33M</a:t>
             </a:r>
             <a:r>
               <a:rPr lang="de-DE" altLang="de-DE" kern="0" dirty="0"/>
               <a:t>=</a:t>
             </a:r>
-            <a:endParaRPr lang="de-DE" altLang="de-DE" kern="0" dirty="0" smtClean="0"/>
+            <a:r>
+              <a:rPr lang="de-DE" altLang="de-DE" kern="0" dirty="0" err="1"/>
+              <a:t>derFruchtigeHubber.azure-devices.net;DeviceId</a:t>
+            </a:r>
+            <a:r>
+              <a:rPr lang="de-DE" altLang="de-DE" kern="0" dirty="0"/>
+              <a:t>=</a:t>
+            </a:r>
+            <a:r>
+              <a:rPr lang="de-DE" altLang="de-DE" kern="0" dirty="0" err="1"/>
+              <a:t>derHubberPy;SharedAccessKey</a:t>
+            </a:r>
+            <a:r>
+              <a:rPr lang="de-DE" altLang="de-DE" kern="0" dirty="0"/>
+              <a:t>=bgwC9u5fzCoipjeKfznjyKw0WvZ77CYtbt1rzIeB33M=</a:t>
+            </a:r>
           </a:p>
           <a:p>
             <a:pPr marL="285750" indent="-285750">
@@ -3495,24 +3469,8 @@
               <a:buChar char="•"/>
             </a:pPr>
             <a:r>
-              <a:rPr lang="de-DE" altLang="de-DE" kern="0" dirty="0" smtClean="0"/>
-              <a:t>Es ist möglich mit </a:t>
-            </a:r>
-            <a:r>
-              <a:rPr lang="de-DE" altLang="de-DE" kern="0" dirty="0" smtClean="0"/>
-              <a:t>einer Back End </a:t>
-            </a:r>
-            <a:r>
-              <a:rPr lang="de-DE" altLang="de-DE" kern="0" dirty="0" smtClean="0"/>
-              <a:t>Applikationen </a:t>
-            </a:r>
-            <a:r>
-              <a:rPr lang="de-DE" altLang="de-DE" kern="0" dirty="0" smtClean="0"/>
-              <a:t>Nachrichten </a:t>
-            </a:r>
-            <a:r>
-              <a:rPr lang="de-DE" altLang="de-DE" kern="0" dirty="0" smtClean="0"/>
-              <a:t>Intervalle von Geräten remote anzupassen</a:t>
+              <a:rPr lang="de-DE" altLang="de-DE" kern="0" dirty="0"/>
+              <a:t>Es ist möglich mit einer Back End Applikationen Nachrichten Intervalle von Geräten remote anzupassen</a:t>
             </a:r>
           </a:p>
           <a:p>
@@ -3528,7 +3486,7 @@
               <a:buChar char="•"/>
             </a:pPr>
             <a:r>
-              <a:rPr lang="de-DE" altLang="de-DE" kern="0" dirty="0" smtClean="0"/>
+              <a:rPr lang="de-DE" altLang="de-DE" kern="0" dirty="0"/>
               <a:t>8.000 – 300.000.000 Nachrichten pro tag möglich </a:t>
             </a:r>
           </a:p>
@@ -3538,18 +3496,9 @@
               <a:buChar char="•"/>
             </a:pPr>
             <a:r>
-              <a:rPr lang="de-DE" altLang="de-DE" kern="0" dirty="0" smtClean="0"/>
-              <a:t>Ca</a:t>
-            </a:r>
-            <a:r>
-              <a:rPr lang="de-DE" altLang="de-DE" kern="0" dirty="0" smtClean="0"/>
-              <a:t>. alle 10 sec bei 8000 Nachrichten pro </a:t>
-            </a:r>
-            <a:r>
-              <a:rPr lang="de-DE" altLang="de-DE" kern="0" dirty="0" smtClean="0"/>
-              <a:t>Tag </a:t>
-            </a:r>
-            <a:endParaRPr lang="de-DE" altLang="de-DE" kern="0" dirty="0" smtClean="0"/>
+              <a:rPr lang="de-DE" altLang="de-DE" kern="0" dirty="0"/>
+              <a:t>Ca. alle 10 sec bei 8000 Nachrichten pro Tag </a:t>
+            </a:r>
           </a:p>
           <a:p>
             <a:endParaRPr lang="de-DE" altLang="de-DE" kern="0" dirty="0"/>
@@ -3567,13 +3516,6 @@
     <a:masterClrMapping/>
   </p:clrMapOvr>
   <p:transition/>
-  <p:timing>
-    <p:tnLst>
-      <p:par>
-        <p:cTn id="1" dur="indefinite" restart="never" nodeType="tmRoot"/>
-      </p:par>
-    </p:tnLst>
-  </p:timing>
 </p:sld>
 </file>
 
@@ -3662,22 +3604,21 @@
           <a:lstStyle/>
           <a:p>
             <a:r>
-              <a:rPr lang="de-DE" altLang="de-DE" dirty="0" err="1" smtClean="0"/>
+              <a:rPr lang="de-DE" altLang="de-DE" dirty="0" err="1"/>
               <a:t>Azure</a:t>
             </a:r>
             <a:r>
-              <a:rPr lang="de-DE" altLang="de-DE" dirty="0" smtClean="0"/>
+              <a:rPr lang="de-DE" altLang="de-DE" dirty="0"/>
               <a:t> </a:t>
             </a:r>
             <a:r>
-              <a:rPr lang="de-DE" altLang="de-DE" dirty="0" err="1" smtClean="0"/>
+              <a:rPr lang="de-DE" altLang="de-DE" dirty="0" err="1"/>
               <a:t>Iot</a:t>
             </a:r>
             <a:r>
-              <a:rPr lang="de-DE" altLang="de-DE" dirty="0" smtClean="0"/>
+              <a:rPr lang="de-DE" altLang="de-DE" dirty="0"/>
               <a:t> Hub</a:t>
             </a:r>
-            <a:endParaRPr lang="de-DE" altLang="de-DE" dirty="0"/>
           </a:p>
         </p:txBody>
       </p:sp>
@@ -3875,14 +3816,13 @@
           </a:lstStyle>
           <a:p>
             <a:r>
-              <a:rPr lang="de-DE" altLang="de-DE" kern="0" dirty="0" err="1" smtClean="0"/>
+              <a:rPr lang="de-DE" altLang="de-DE" kern="0" dirty="0" err="1"/>
               <a:t>Iot</a:t>
             </a:r>
             <a:r>
-              <a:rPr lang="de-DE" altLang="de-DE" kern="0" dirty="0" smtClean="0"/>
+              <a:rPr lang="de-DE" altLang="de-DE" kern="0" dirty="0"/>
               <a:t> Hub Übersicht</a:t>
             </a:r>
-            <a:endParaRPr lang="de-DE" altLang="de-DE" kern="0" dirty="0"/>
           </a:p>
           <a:p>
             <a:pPr marL="134938" lvl="1" indent="-133350">
@@ -3891,10 +3831,9 @@
               </a:spcBef>
             </a:pPr>
             <a:r>
-              <a:rPr lang="de-DE" altLang="de-DE" kern="0" dirty="0" smtClean="0"/>
+              <a:rPr lang="de-DE" altLang="de-DE" kern="0" dirty="0"/>
               <a:t>Anzahl der geschickten Nachrichten</a:t>
             </a:r>
-            <a:endParaRPr lang="de-DE" altLang="de-DE" kern="0" dirty="0"/>
           </a:p>
           <a:p>
             <a:pPr marL="134938" lvl="1" indent="-133350">
@@ -3903,10 +3842,9 @@
               </a:spcBef>
             </a:pPr>
             <a:r>
-              <a:rPr lang="de-DE" altLang="de-DE" kern="0" dirty="0" smtClean="0"/>
+              <a:rPr lang="de-DE" altLang="de-DE" kern="0" dirty="0"/>
               <a:t>Anzahl der registrierten Geräte. </a:t>
             </a:r>
-            <a:endParaRPr lang="de-DE" altLang="de-DE" kern="0" dirty="0"/>
           </a:p>
         </p:txBody>
       </p:sp>
@@ -4169,13 +4107,6 @@
     <a:masterClrMapping/>
   </p:clrMapOvr>
   <p:transition/>
-  <p:timing>
-    <p:tnLst>
-      <p:par>
-        <p:cTn id="1" dur="indefinite" restart="never" nodeType="tmRoot"/>
-      </p:par>
-    </p:tnLst>
-  </p:timing>
 </p:sld>
 </file>
 
@@ -4264,22 +4195,21 @@
           <a:lstStyle/>
           <a:p>
             <a:r>
-              <a:rPr lang="de-DE" altLang="de-DE" dirty="0" err="1" smtClean="0"/>
+              <a:rPr lang="de-DE" altLang="de-DE" dirty="0" err="1"/>
               <a:t>Azure</a:t>
             </a:r>
             <a:r>
-              <a:rPr lang="de-DE" altLang="de-DE" dirty="0" smtClean="0"/>
+              <a:rPr lang="de-DE" altLang="de-DE" dirty="0"/>
               <a:t> </a:t>
             </a:r>
             <a:r>
-              <a:rPr lang="de-DE" altLang="de-DE" dirty="0" err="1" smtClean="0"/>
+              <a:rPr lang="de-DE" altLang="de-DE" dirty="0" err="1"/>
               <a:t>Iot</a:t>
             </a:r>
             <a:r>
-              <a:rPr lang="de-DE" altLang="de-DE" dirty="0" smtClean="0"/>
+              <a:rPr lang="de-DE" altLang="de-DE" dirty="0"/>
               <a:t> Hub</a:t>
             </a:r>
-            <a:endParaRPr lang="de-DE" altLang="de-DE" dirty="0"/>
           </a:p>
         </p:txBody>
       </p:sp>
@@ -4555,11 +4485,11 @@
           <a:lstStyle/>
           <a:p>
             <a:r>
-              <a:rPr lang="de-DE" dirty="0" smtClean="0"/>
+              <a:rPr lang="de-DE" dirty="0"/>
               <a:t>Übersicht </a:t>
             </a:r>
             <a:r>
-              <a:rPr lang="de-DE" smtClean="0"/>
+              <a:rPr lang="de-DE"/>
               <a:t>gesendeter Nachrichten</a:t>
             </a:r>
             <a:endParaRPr lang="de-DE" dirty="0"/>
@@ -4577,13 +4507,6 @@
     <a:masterClrMapping/>
   </p:clrMapOvr>
   <p:transition/>
-  <p:timing>
-    <p:tnLst>
-      <p:par>
-        <p:cTn id="1" dur="indefinite" restart="never" nodeType="tmRoot"/>
-      </p:par>
-    </p:tnLst>
-  </p:timing>
 </p:sld>
 </file>
 
